--- a/ModSender/autonomy/Behaviors.pptx
+++ b/ModSender/autonomy/Behaviors.pptx
@@ -6,6 +6,7 @@
   </p:sldMasterIdLst>
   <p:sldIdLst>
     <p:sldId id="256" r:id="rId2"/>
+    <p:sldId id="257" r:id="rId3"/>
   </p:sldIdLst>
   <p:sldSz cx="12192000" cy="6858000"/>
   <p:notesSz cx="6858000" cy="9144000"/>
@@ -3741,13 +3742,8 @@
           <a:p>
             <a:r>
               <a:rPr lang="en-US" dirty="0"/>
-              <a:t>Distance </a:t>
-            </a:r>
-            <a:r>
-              <a:rPr lang="en-US"/>
-              <a:t>&lt; D1</a:t>
-            </a:r>
-            <a:endParaRPr lang="en-US" dirty="0"/>
+              <a:t>Distance &lt; D1</a:t>
+            </a:r>
           </a:p>
         </p:txBody>
       </p:sp>
@@ -3950,6 +3946,809 @@
     <p:extLst>
       <p:ext uri="{BB962C8B-B14F-4D97-AF65-F5344CB8AC3E}">
         <p14:creationId xmlns:p14="http://schemas.microsoft.com/office/powerpoint/2010/main" val="2106906407"/>
+      </p:ext>
+    </p:extLst>
+  </p:cSld>
+  <p:clrMapOvr>
+    <a:masterClrMapping/>
+  </p:clrMapOvr>
+</p:sld>
+</file>
+
+<file path=ppt/slides/slide2.xml><?xml version="1.0" encoding="utf-8"?>
+<p:sld xmlns:a="http://schemas.openxmlformats.org/drawingml/2006/main" xmlns:r="http://schemas.openxmlformats.org/officeDocument/2006/relationships" xmlns:p="http://schemas.openxmlformats.org/presentationml/2006/main">
+  <p:cSld>
+    <p:spTree>
+      <p:nvGrpSpPr>
+        <p:cNvPr id="1" name=""/>
+        <p:cNvGrpSpPr/>
+        <p:nvPr/>
+      </p:nvGrpSpPr>
+      <p:grpSpPr>
+        <a:xfrm>
+          <a:off x="0" y="0"/>
+          <a:ext cx="0" cy="0"/>
+          <a:chOff x="0" y="0"/>
+          <a:chExt cx="0" cy="0"/>
+        </a:xfrm>
+      </p:grpSpPr>
+      <p:sp>
+        <p:nvSpPr>
+          <p:cNvPr id="4" name="Title 3">
+            <a:extLst>
+              <a:ext uri="{FF2B5EF4-FFF2-40B4-BE49-F238E27FC236}">
+                <a16:creationId xmlns:a16="http://schemas.microsoft.com/office/drawing/2014/main" id="{F6E49CC6-0611-B6ED-C7DA-9E236F84A046}"/>
+              </a:ext>
+            </a:extLst>
+          </p:cNvPr>
+          <p:cNvSpPr>
+            <a:spLocks noGrp="1"/>
+          </p:cNvSpPr>
+          <p:nvPr>
+            <p:ph type="title"/>
+          </p:nvPr>
+        </p:nvSpPr>
+        <p:spPr>
+          <a:xfrm>
+            <a:off x="254584" y="192323"/>
+            <a:ext cx="10515600" cy="1325563"/>
+          </a:xfrm>
+        </p:spPr>
+        <p:txBody>
+          <a:bodyPr/>
+          <a:lstStyle/>
+          <a:p>
+            <a:r>
+              <a:rPr lang="en-US" dirty="0" err="1"/>
+              <a:t>ZigZag</a:t>
+            </a:r>
+            <a:r>
+              <a:rPr lang="en-US" dirty="0"/>
+              <a:t> Walk – 2 Levels</a:t>
+            </a:r>
+          </a:p>
+        </p:txBody>
+      </p:sp>
+      <p:sp>
+        <p:nvSpPr>
+          <p:cNvPr id="5" name="Oval 4">
+            <a:extLst>
+              <a:ext uri="{FF2B5EF4-FFF2-40B4-BE49-F238E27FC236}">
+                <a16:creationId xmlns:a16="http://schemas.microsoft.com/office/drawing/2014/main" id="{E51876A0-B79B-4730-A917-67E6BE9D1137}"/>
+              </a:ext>
+            </a:extLst>
+          </p:cNvPr>
+          <p:cNvSpPr/>
+          <p:nvPr/>
+        </p:nvSpPr>
+        <p:spPr>
+          <a:xfrm>
+            <a:off x="1013927" y="3911374"/>
+            <a:ext cx="1352939" cy="1231641"/>
+          </a:xfrm>
+          <a:prstGeom prst="ellipse">
+            <a:avLst/>
+          </a:prstGeom>
+        </p:spPr>
+        <p:style>
+          <a:lnRef idx="2">
+            <a:schemeClr val="accent1">
+              <a:shade val="15000"/>
+            </a:schemeClr>
+          </a:lnRef>
+          <a:fillRef idx="1">
+            <a:schemeClr val="accent1"/>
+          </a:fillRef>
+          <a:effectRef idx="0">
+            <a:schemeClr val="accent1"/>
+          </a:effectRef>
+          <a:fontRef idx="minor">
+            <a:schemeClr val="lt1"/>
+          </a:fontRef>
+        </p:style>
+        <p:txBody>
+          <a:bodyPr rtlCol="0" anchor="ctr"/>
+          <a:lstStyle/>
+          <a:p>
+            <a:pPr algn="ctr"/>
+            <a:r>
+              <a:rPr lang="en-US" dirty="0"/>
+              <a:t>Forward</a:t>
+            </a:r>
+          </a:p>
+        </p:txBody>
+      </p:sp>
+      <p:sp>
+        <p:nvSpPr>
+          <p:cNvPr id="6" name="Oval 5">
+            <a:extLst>
+              <a:ext uri="{FF2B5EF4-FFF2-40B4-BE49-F238E27FC236}">
+                <a16:creationId xmlns:a16="http://schemas.microsoft.com/office/drawing/2014/main" id="{14B6B1B4-96DD-7F1B-DA32-C3529743ADA5}"/>
+              </a:ext>
+            </a:extLst>
+          </p:cNvPr>
+          <p:cNvSpPr/>
+          <p:nvPr/>
+        </p:nvSpPr>
+        <p:spPr>
+          <a:xfrm>
+            <a:off x="9954209" y="3911373"/>
+            <a:ext cx="1352939" cy="1231641"/>
+          </a:xfrm>
+          <a:prstGeom prst="ellipse">
+            <a:avLst/>
+          </a:prstGeom>
+        </p:spPr>
+        <p:style>
+          <a:lnRef idx="2">
+            <a:schemeClr val="accent1">
+              <a:shade val="15000"/>
+            </a:schemeClr>
+          </a:lnRef>
+          <a:fillRef idx="1">
+            <a:schemeClr val="accent1"/>
+          </a:fillRef>
+          <a:effectRef idx="0">
+            <a:schemeClr val="accent1"/>
+          </a:effectRef>
+          <a:fontRef idx="minor">
+            <a:schemeClr val="lt1"/>
+          </a:fontRef>
+        </p:style>
+        <p:txBody>
+          <a:bodyPr rtlCol="0" anchor="ctr"/>
+          <a:lstStyle/>
+          <a:p>
+            <a:pPr algn="ctr"/>
+            <a:r>
+              <a:rPr lang="en-US" dirty="0"/>
+              <a:t>Wait</a:t>
+            </a:r>
+          </a:p>
+        </p:txBody>
+      </p:sp>
+      <p:sp>
+        <p:nvSpPr>
+          <p:cNvPr id="7" name="Oval 6">
+            <a:extLst>
+              <a:ext uri="{FF2B5EF4-FFF2-40B4-BE49-F238E27FC236}">
+                <a16:creationId xmlns:a16="http://schemas.microsoft.com/office/drawing/2014/main" id="{F14A585B-4F3A-D4AE-D49E-FAC84E082927}"/>
+              </a:ext>
+            </a:extLst>
+          </p:cNvPr>
+          <p:cNvSpPr/>
+          <p:nvPr/>
+        </p:nvSpPr>
+        <p:spPr>
+          <a:xfrm>
+            <a:off x="6809015" y="3911373"/>
+            <a:ext cx="1352939" cy="1231641"/>
+          </a:xfrm>
+          <a:prstGeom prst="ellipse">
+            <a:avLst/>
+          </a:prstGeom>
+        </p:spPr>
+        <p:style>
+          <a:lnRef idx="2">
+            <a:schemeClr val="accent1">
+              <a:shade val="15000"/>
+            </a:schemeClr>
+          </a:lnRef>
+          <a:fillRef idx="1">
+            <a:schemeClr val="accent1"/>
+          </a:fillRef>
+          <a:effectRef idx="0">
+            <a:schemeClr val="accent1"/>
+          </a:effectRef>
+          <a:fontRef idx="minor">
+            <a:schemeClr val="lt1"/>
+          </a:fontRef>
+        </p:style>
+        <p:txBody>
+          <a:bodyPr rtlCol="0" anchor="ctr"/>
+          <a:lstStyle/>
+          <a:p>
+            <a:pPr algn="ctr"/>
+            <a:r>
+              <a:rPr lang="en-US" dirty="0"/>
+              <a:t>Rotate</a:t>
+            </a:r>
+          </a:p>
+        </p:txBody>
+      </p:sp>
+      <p:sp>
+        <p:nvSpPr>
+          <p:cNvPr id="8" name="Oval 7">
+            <a:extLst>
+              <a:ext uri="{FF2B5EF4-FFF2-40B4-BE49-F238E27FC236}">
+                <a16:creationId xmlns:a16="http://schemas.microsoft.com/office/drawing/2014/main" id="{643E7ED7-B48A-D770-629B-665239DC12FB}"/>
+              </a:ext>
+            </a:extLst>
+          </p:cNvPr>
+          <p:cNvSpPr/>
+          <p:nvPr/>
+        </p:nvSpPr>
+        <p:spPr>
+          <a:xfrm>
+            <a:off x="3896345" y="3902043"/>
+            <a:ext cx="1548880" cy="1231641"/>
+          </a:xfrm>
+          <a:prstGeom prst="ellipse">
+            <a:avLst/>
+          </a:prstGeom>
+        </p:spPr>
+        <p:style>
+          <a:lnRef idx="2">
+            <a:schemeClr val="accent1">
+              <a:shade val="15000"/>
+            </a:schemeClr>
+          </a:lnRef>
+          <a:fillRef idx="1">
+            <a:schemeClr val="accent1"/>
+          </a:fillRef>
+          <a:effectRef idx="0">
+            <a:schemeClr val="accent1"/>
+          </a:effectRef>
+          <a:fontRef idx="minor">
+            <a:schemeClr val="lt1"/>
+          </a:fontRef>
+        </p:style>
+        <p:txBody>
+          <a:bodyPr rtlCol="0" anchor="ctr"/>
+          <a:lstStyle/>
+          <a:p>
+            <a:pPr algn="ctr"/>
+            <a:r>
+              <a:rPr lang="en-US" dirty="0"/>
+              <a:t>Backward</a:t>
+            </a:r>
+          </a:p>
+        </p:txBody>
+      </p:sp>
+      <p:cxnSp>
+        <p:nvCxnSpPr>
+          <p:cNvPr id="10" name="Straight Arrow Connector 9">
+            <a:extLst>
+              <a:ext uri="{FF2B5EF4-FFF2-40B4-BE49-F238E27FC236}">
+                <a16:creationId xmlns:a16="http://schemas.microsoft.com/office/drawing/2014/main" id="{BF5ADC48-4BC4-8CB1-E21A-D6F3E62758F7}"/>
+              </a:ext>
+            </a:extLst>
+          </p:cNvPr>
+          <p:cNvCxnSpPr>
+            <a:cxnSpLocks/>
+            <a:stCxn id="5" idx="6"/>
+            <a:endCxn id="8" idx="2"/>
+          </p:cNvCxnSpPr>
+          <p:nvPr/>
+        </p:nvCxnSpPr>
+        <p:spPr>
+          <a:xfrm flipV="1">
+            <a:off x="2366866" y="4517864"/>
+            <a:ext cx="1529479" cy="9331"/>
+          </a:xfrm>
+          <a:prstGeom prst="straightConnector1">
+            <a:avLst/>
+          </a:prstGeom>
+          <a:ln>
+            <a:tailEnd type="triangle"/>
+          </a:ln>
+        </p:spPr>
+        <p:style>
+          <a:lnRef idx="1">
+            <a:schemeClr val="accent1"/>
+          </a:lnRef>
+          <a:fillRef idx="0">
+            <a:schemeClr val="accent1"/>
+          </a:fillRef>
+          <a:effectRef idx="0">
+            <a:schemeClr val="accent1"/>
+          </a:effectRef>
+          <a:fontRef idx="minor">
+            <a:schemeClr val="tx1"/>
+          </a:fontRef>
+        </p:style>
+      </p:cxnSp>
+      <p:cxnSp>
+        <p:nvCxnSpPr>
+          <p:cNvPr id="13" name="Straight Arrow Connector 12">
+            <a:extLst>
+              <a:ext uri="{FF2B5EF4-FFF2-40B4-BE49-F238E27FC236}">
+                <a16:creationId xmlns:a16="http://schemas.microsoft.com/office/drawing/2014/main" id="{7EDDD7D5-CF96-C630-8F01-546121A547E7}"/>
+              </a:ext>
+            </a:extLst>
+          </p:cNvPr>
+          <p:cNvCxnSpPr>
+            <a:stCxn id="8" idx="6"/>
+            <a:endCxn id="7" idx="2"/>
+          </p:cNvCxnSpPr>
+          <p:nvPr/>
+        </p:nvCxnSpPr>
+        <p:spPr>
+          <a:xfrm>
+            <a:off x="5445225" y="4517864"/>
+            <a:ext cx="1363790" cy="9330"/>
+          </a:xfrm>
+          <a:prstGeom prst="straightConnector1">
+            <a:avLst/>
+          </a:prstGeom>
+          <a:ln>
+            <a:tailEnd type="triangle"/>
+          </a:ln>
+        </p:spPr>
+        <p:style>
+          <a:lnRef idx="1">
+            <a:schemeClr val="accent1"/>
+          </a:lnRef>
+          <a:fillRef idx="0">
+            <a:schemeClr val="accent1"/>
+          </a:fillRef>
+          <a:effectRef idx="0">
+            <a:schemeClr val="accent1"/>
+          </a:effectRef>
+          <a:fontRef idx="minor">
+            <a:schemeClr val="tx1"/>
+          </a:fontRef>
+        </p:style>
+      </p:cxnSp>
+      <p:cxnSp>
+        <p:nvCxnSpPr>
+          <p:cNvPr id="15" name="Straight Arrow Connector 14">
+            <a:extLst>
+              <a:ext uri="{FF2B5EF4-FFF2-40B4-BE49-F238E27FC236}">
+                <a16:creationId xmlns:a16="http://schemas.microsoft.com/office/drawing/2014/main" id="{7A7B15D4-D6DC-CEE6-C1F4-E48188E3D25E}"/>
+              </a:ext>
+            </a:extLst>
+          </p:cNvPr>
+          <p:cNvCxnSpPr>
+            <a:stCxn id="7" idx="6"/>
+            <a:endCxn id="6" idx="2"/>
+          </p:cNvCxnSpPr>
+          <p:nvPr/>
+        </p:nvCxnSpPr>
+        <p:spPr>
+          <a:xfrm>
+            <a:off x="8161954" y="4527194"/>
+            <a:ext cx="1792255" cy="0"/>
+          </a:xfrm>
+          <a:prstGeom prst="straightConnector1">
+            <a:avLst/>
+          </a:prstGeom>
+          <a:ln>
+            <a:tailEnd type="triangle"/>
+          </a:ln>
+        </p:spPr>
+        <p:style>
+          <a:lnRef idx="1">
+            <a:schemeClr val="accent1"/>
+          </a:lnRef>
+          <a:fillRef idx="0">
+            <a:schemeClr val="accent1"/>
+          </a:fillRef>
+          <a:effectRef idx="0">
+            <a:schemeClr val="accent1"/>
+          </a:effectRef>
+          <a:fontRef idx="minor">
+            <a:schemeClr val="tx1"/>
+          </a:fontRef>
+        </p:style>
+      </p:cxnSp>
+      <p:sp>
+        <p:nvSpPr>
+          <p:cNvPr id="25" name="TextBox 24">
+            <a:extLst>
+              <a:ext uri="{FF2B5EF4-FFF2-40B4-BE49-F238E27FC236}">
+                <a16:creationId xmlns:a16="http://schemas.microsoft.com/office/drawing/2014/main" id="{6E1D35A2-03BF-7F06-F907-19D837631D00}"/>
+              </a:ext>
+            </a:extLst>
+          </p:cNvPr>
+          <p:cNvSpPr txBox="1"/>
+          <p:nvPr/>
+        </p:nvSpPr>
+        <p:spPr>
+          <a:xfrm>
+            <a:off x="5512384" y="4034618"/>
+            <a:ext cx="1180131" cy="369332"/>
+          </a:xfrm>
+          <a:prstGeom prst="rect">
+            <a:avLst/>
+          </a:prstGeom>
+          <a:noFill/>
+        </p:spPr>
+        <p:txBody>
+          <a:bodyPr wrap="none" rtlCol="0">
+            <a:spAutoFit/>
+          </a:bodyPr>
+          <a:lstStyle/>
+          <a:p>
+            <a:r>
+              <a:rPr lang="en-US" dirty="0"/>
+              <a:t>Timer &gt; T2</a:t>
+            </a:r>
+          </a:p>
+        </p:txBody>
+      </p:sp>
+      <p:sp>
+        <p:nvSpPr>
+          <p:cNvPr id="28" name="TextBox 27">
+            <a:extLst>
+              <a:ext uri="{FF2B5EF4-FFF2-40B4-BE49-F238E27FC236}">
+                <a16:creationId xmlns:a16="http://schemas.microsoft.com/office/drawing/2014/main" id="{C9A4DBEC-17EA-0525-21A9-1D0C6731F158}"/>
+              </a:ext>
+            </a:extLst>
+          </p:cNvPr>
+          <p:cNvSpPr txBox="1"/>
+          <p:nvPr/>
+        </p:nvSpPr>
+        <p:spPr>
+          <a:xfrm>
+            <a:off x="2332352" y="4036465"/>
+            <a:ext cx="1468094" cy="369332"/>
+          </a:xfrm>
+          <a:prstGeom prst="rect">
+            <a:avLst/>
+          </a:prstGeom>
+          <a:noFill/>
+        </p:spPr>
+        <p:txBody>
+          <a:bodyPr wrap="none" rtlCol="0">
+            <a:spAutoFit/>
+          </a:bodyPr>
+          <a:lstStyle/>
+          <a:p>
+            <a:r>
+              <a:rPr lang="en-US" dirty="0"/>
+              <a:t>Distance &lt; D1</a:t>
+            </a:r>
+          </a:p>
+        </p:txBody>
+      </p:sp>
+      <p:sp>
+        <p:nvSpPr>
+          <p:cNvPr id="29" name="TextBox 28">
+            <a:extLst>
+              <a:ext uri="{FF2B5EF4-FFF2-40B4-BE49-F238E27FC236}">
+                <a16:creationId xmlns:a16="http://schemas.microsoft.com/office/drawing/2014/main" id="{94EC30FE-DB0C-AEFC-700C-1A75B92233AD}"/>
+              </a:ext>
+            </a:extLst>
+          </p:cNvPr>
+          <p:cNvSpPr txBox="1"/>
+          <p:nvPr/>
+        </p:nvSpPr>
+        <p:spPr>
+          <a:xfrm>
+            <a:off x="9058081" y="4034618"/>
+            <a:ext cx="255198" cy="369332"/>
+          </a:xfrm>
+          <a:prstGeom prst="rect">
+            <a:avLst/>
+          </a:prstGeom>
+          <a:noFill/>
+        </p:spPr>
+        <p:txBody>
+          <a:bodyPr wrap="none" rtlCol="0">
+            <a:spAutoFit/>
+          </a:bodyPr>
+          <a:lstStyle/>
+          <a:p>
+            <a:r>
+              <a:rPr lang="en-US" dirty="0"/>
+              <a:t>-</a:t>
+            </a:r>
+          </a:p>
+        </p:txBody>
+      </p:sp>
+      <p:cxnSp>
+        <p:nvCxnSpPr>
+          <p:cNvPr id="33" name="Connector: Elbow 32">
+            <a:extLst>
+              <a:ext uri="{FF2B5EF4-FFF2-40B4-BE49-F238E27FC236}">
+                <a16:creationId xmlns:a16="http://schemas.microsoft.com/office/drawing/2014/main" id="{E83D81FF-26DC-65D1-603E-05939EA64FCE}"/>
+              </a:ext>
+            </a:extLst>
+          </p:cNvPr>
+          <p:cNvCxnSpPr>
+            <a:cxnSpLocks/>
+            <a:stCxn id="6" idx="4"/>
+            <a:endCxn id="5" idx="4"/>
+          </p:cNvCxnSpPr>
+          <p:nvPr/>
+        </p:nvCxnSpPr>
+        <p:spPr>
+          <a:xfrm rot="5400000">
+            <a:off x="6160538" y="672873"/>
+            <a:ext cx="1" cy="8940282"/>
+          </a:xfrm>
+          <a:prstGeom prst="bentConnector3">
+            <a:avLst>
+              <a:gd name="adj1" fmla="val 22860100000"/>
+            </a:avLst>
+          </a:prstGeom>
+          <a:ln>
+            <a:tailEnd type="triangle"/>
+          </a:ln>
+        </p:spPr>
+        <p:style>
+          <a:lnRef idx="1">
+            <a:schemeClr val="accent1"/>
+          </a:lnRef>
+          <a:fillRef idx="0">
+            <a:schemeClr val="accent1"/>
+          </a:fillRef>
+          <a:effectRef idx="0">
+            <a:schemeClr val="accent1"/>
+          </a:effectRef>
+          <a:fontRef idx="minor">
+            <a:schemeClr val="tx1"/>
+          </a:fontRef>
+        </p:style>
+      </p:cxnSp>
+      <p:sp>
+        <p:nvSpPr>
+          <p:cNvPr id="40" name="TextBox 39">
+            <a:extLst>
+              <a:ext uri="{FF2B5EF4-FFF2-40B4-BE49-F238E27FC236}">
+                <a16:creationId xmlns:a16="http://schemas.microsoft.com/office/drawing/2014/main" id="{CEBE30F0-054E-081D-7CBC-055DC46F62F1}"/>
+              </a:ext>
+            </a:extLst>
+          </p:cNvPr>
+          <p:cNvSpPr txBox="1"/>
+          <p:nvPr/>
+        </p:nvSpPr>
+        <p:spPr>
+          <a:xfrm>
+            <a:off x="3066399" y="3261925"/>
+            <a:ext cx="1180131" cy="369332"/>
+          </a:xfrm>
+          <a:prstGeom prst="rect">
+            <a:avLst/>
+          </a:prstGeom>
+          <a:noFill/>
+        </p:spPr>
+        <p:txBody>
+          <a:bodyPr wrap="none" rtlCol="0">
+            <a:spAutoFit/>
+          </a:bodyPr>
+          <a:lstStyle/>
+          <a:p>
+            <a:r>
+              <a:rPr lang="en-US" dirty="0"/>
+              <a:t>Timer &gt; T1</a:t>
+            </a:r>
+          </a:p>
+        </p:txBody>
+      </p:sp>
+      <p:sp>
+        <p:nvSpPr>
+          <p:cNvPr id="41" name="TextBox 40">
+            <a:extLst>
+              <a:ext uri="{FF2B5EF4-FFF2-40B4-BE49-F238E27FC236}">
+                <a16:creationId xmlns:a16="http://schemas.microsoft.com/office/drawing/2014/main" id="{C35BC834-B94B-83E1-41AD-D60A85258F99}"/>
+              </a:ext>
+            </a:extLst>
+          </p:cNvPr>
+          <p:cNvSpPr txBox="1"/>
+          <p:nvPr/>
+        </p:nvSpPr>
+        <p:spPr>
+          <a:xfrm>
+            <a:off x="5488397" y="5438002"/>
+            <a:ext cx="1698991" cy="646331"/>
+          </a:xfrm>
+          <a:prstGeom prst="rect">
+            <a:avLst/>
+          </a:prstGeom>
+          <a:noFill/>
+        </p:spPr>
+        <p:txBody>
+          <a:bodyPr wrap="none" rtlCol="0">
+            <a:spAutoFit/>
+          </a:bodyPr>
+          <a:lstStyle/>
+          <a:p>
+            <a:r>
+              <a:rPr lang="en-US" dirty="0"/>
+              <a:t>Timer &gt; T3</a:t>
+            </a:r>
+          </a:p>
+          <a:p>
+            <a:r>
+              <a:rPr lang="en-US" dirty="0"/>
+              <a:t>Angle error &lt; Th</a:t>
+            </a:r>
+          </a:p>
+        </p:txBody>
+      </p:sp>
+      <p:sp>
+        <p:nvSpPr>
+          <p:cNvPr id="2" name="Oval 1">
+            <a:extLst>
+              <a:ext uri="{FF2B5EF4-FFF2-40B4-BE49-F238E27FC236}">
+                <a16:creationId xmlns:a16="http://schemas.microsoft.com/office/drawing/2014/main" id="{79876581-084D-9408-E87B-07C431AFF211}"/>
+              </a:ext>
+            </a:extLst>
+          </p:cNvPr>
+          <p:cNvSpPr/>
+          <p:nvPr/>
+        </p:nvSpPr>
+        <p:spPr>
+          <a:xfrm>
+            <a:off x="8790215" y="1879246"/>
+            <a:ext cx="1352939" cy="1231641"/>
+          </a:xfrm>
+          <a:prstGeom prst="ellipse">
+            <a:avLst/>
+          </a:prstGeom>
+        </p:spPr>
+        <p:style>
+          <a:lnRef idx="2">
+            <a:schemeClr val="accent1">
+              <a:shade val="15000"/>
+            </a:schemeClr>
+          </a:lnRef>
+          <a:fillRef idx="1">
+            <a:schemeClr val="accent1"/>
+          </a:fillRef>
+          <a:effectRef idx="0">
+            <a:schemeClr val="accent1"/>
+          </a:effectRef>
+          <a:fontRef idx="minor">
+            <a:schemeClr val="lt1"/>
+          </a:fontRef>
+        </p:style>
+        <p:txBody>
+          <a:bodyPr rtlCol="0" anchor="ctr"/>
+          <a:lstStyle/>
+          <a:p>
+            <a:pPr algn="ctr"/>
+            <a:r>
+              <a:rPr lang="en-US" dirty="0"/>
+              <a:t>Switch</a:t>
+            </a:r>
+          </a:p>
+          <a:p>
+            <a:pPr algn="ctr"/>
+            <a:r>
+              <a:rPr lang="en-US" dirty="0"/>
+              <a:t>Level</a:t>
+            </a:r>
+          </a:p>
+        </p:txBody>
+      </p:sp>
+      <p:sp>
+        <p:nvSpPr>
+          <p:cNvPr id="11" name="TextBox 10">
+            <a:extLst>
+              <a:ext uri="{FF2B5EF4-FFF2-40B4-BE49-F238E27FC236}">
+                <a16:creationId xmlns:a16="http://schemas.microsoft.com/office/drawing/2014/main" id="{D11B7F92-D745-4AC3-AF74-FEE0BE5B75A1}"/>
+              </a:ext>
+            </a:extLst>
+          </p:cNvPr>
+          <p:cNvSpPr txBox="1"/>
+          <p:nvPr/>
+        </p:nvSpPr>
+        <p:spPr>
+          <a:xfrm>
+            <a:off x="4031834" y="2121071"/>
+            <a:ext cx="1993944" cy="646331"/>
+          </a:xfrm>
+          <a:prstGeom prst="rect">
+            <a:avLst/>
+          </a:prstGeom>
+          <a:noFill/>
+        </p:spPr>
+        <p:txBody>
+          <a:bodyPr wrap="none" rtlCol="0">
+            <a:spAutoFit/>
+          </a:bodyPr>
+          <a:lstStyle/>
+          <a:p>
+            <a:r>
+              <a:rPr lang="en-US" dirty="0"/>
+              <a:t>ZZ </a:t>
+            </a:r>
+            <a:r>
+              <a:rPr lang="en-US" dirty="0" err="1"/>
+              <a:t>cnt</a:t>
+            </a:r>
+            <a:r>
+              <a:rPr lang="en-US" dirty="0"/>
+              <a:t> &gt; NUM_ZIGS</a:t>
+            </a:r>
+          </a:p>
+          <a:p>
+            <a:endParaRPr lang="en-US" dirty="0"/>
+          </a:p>
+        </p:txBody>
+      </p:sp>
+      <p:cxnSp>
+        <p:nvCxnSpPr>
+          <p:cNvPr id="12" name="Straight Arrow Connector 11">
+            <a:extLst>
+              <a:ext uri="{FF2B5EF4-FFF2-40B4-BE49-F238E27FC236}">
+                <a16:creationId xmlns:a16="http://schemas.microsoft.com/office/drawing/2014/main" id="{9EBB90D9-9C85-067C-9DFB-9694FD9725F0}"/>
+              </a:ext>
+            </a:extLst>
+          </p:cNvPr>
+          <p:cNvCxnSpPr>
+            <a:cxnSpLocks/>
+            <a:endCxn id="6" idx="0"/>
+          </p:cNvCxnSpPr>
+          <p:nvPr/>
+        </p:nvCxnSpPr>
+        <p:spPr>
+          <a:xfrm>
+            <a:off x="9986089" y="2888821"/>
+            <a:ext cx="644590" cy="1022552"/>
+          </a:xfrm>
+          <a:prstGeom prst="straightConnector1">
+            <a:avLst/>
+          </a:prstGeom>
+          <a:ln>
+            <a:tailEnd type="triangle"/>
+          </a:ln>
+        </p:spPr>
+        <p:style>
+          <a:lnRef idx="1">
+            <a:schemeClr val="accent1"/>
+          </a:lnRef>
+          <a:fillRef idx="0">
+            <a:schemeClr val="accent1"/>
+          </a:fillRef>
+          <a:effectRef idx="0">
+            <a:schemeClr val="accent1"/>
+          </a:effectRef>
+          <a:fontRef idx="minor">
+            <a:schemeClr val="tx1"/>
+          </a:fontRef>
+        </p:style>
+      </p:cxnSp>
+      <p:cxnSp>
+        <p:nvCxnSpPr>
+          <p:cNvPr id="18" name="Connector: Elbow 17">
+            <a:extLst>
+              <a:ext uri="{FF2B5EF4-FFF2-40B4-BE49-F238E27FC236}">
+                <a16:creationId xmlns:a16="http://schemas.microsoft.com/office/drawing/2014/main" id="{44480DD6-786C-C01A-3344-CBEF7F523C91}"/>
+              </a:ext>
+            </a:extLst>
+          </p:cNvPr>
+          <p:cNvCxnSpPr>
+            <a:cxnSpLocks/>
+            <a:stCxn id="5" idx="0"/>
+            <a:endCxn id="2" idx="2"/>
+          </p:cNvCxnSpPr>
+          <p:nvPr/>
+        </p:nvCxnSpPr>
+        <p:spPr>
+          <a:xfrm rot="5400000" flipH="1" flipV="1">
+            <a:off x="4532153" y="-346688"/>
+            <a:ext cx="1416307" cy="7099818"/>
+          </a:xfrm>
+          <a:prstGeom prst="bentConnector2">
+            <a:avLst/>
+          </a:prstGeom>
+          <a:ln>
+            <a:tailEnd type="triangle"/>
+          </a:ln>
+        </p:spPr>
+        <p:style>
+          <a:lnRef idx="1">
+            <a:schemeClr val="accent1"/>
+          </a:lnRef>
+          <a:fillRef idx="0">
+            <a:schemeClr val="accent1"/>
+          </a:fillRef>
+          <a:effectRef idx="0">
+            <a:schemeClr val="accent1"/>
+          </a:effectRef>
+          <a:fontRef idx="minor">
+            <a:schemeClr val="tx1"/>
+          </a:fontRef>
+        </p:style>
+      </p:cxnSp>
+    </p:spTree>
+    <p:extLst>
+      <p:ext uri="{BB962C8B-B14F-4D97-AF65-F5344CB8AC3E}">
+        <p14:creationId xmlns:p14="http://schemas.microsoft.com/office/powerpoint/2010/main" val="3021907655"/>
       </p:ext>
     </p:extLst>
   </p:cSld>
